--- a/Assn2/CSCI222 a2 presentation.pptx
+++ b/Assn2/CSCI222 a2 presentation.pptx
@@ -125,6 +125,22 @@
       </a:defRPr>
     </a:lvl9pPr>
   </p:defaultTextStyle>
+  <p:extLst>
+    <p:ext uri="{EFAFB233-063F-42B5-8137-9DF3F51BA10A}">
+      <p15:sldGuideLst xmlns:p15="http://schemas.microsoft.com/office/powerpoint/2012/main">
+        <p15:guide id="1" orient="horz" pos="2160">
+          <p15:clr>
+            <a:srgbClr val="A4A3A4"/>
+          </p15:clr>
+        </p15:guide>
+        <p15:guide id="2" pos="2880">
+          <p15:clr>
+            <a:srgbClr val="A4A3A4"/>
+          </p15:clr>
+        </p15:guide>
+      </p15:sldGuideLst>
+    </p:ext>
+  </p:extLst>
 </p:presentation>
 </file>
 
@@ -420,7 +436,7 @@
             <a:fld id="{1D8BD707-D9CF-40AE-B4C6-C98DA3205C09}" type="datetimeFigureOut">
               <a:rPr lang="en-US" smtClean="0"/>
               <a:pPr/>
-              <a:t>2/21/2016</a:t>
+              <a:t>2/22/2016</a:t>
             </a:fld>
             <a:endParaRPr lang="en-US"/>
           </a:p>
@@ -613,7 +629,7 @@
             <a:fld id="{1D8BD707-D9CF-40AE-B4C6-C98DA3205C09}" type="datetimeFigureOut">
               <a:rPr lang="en-US" smtClean="0"/>
               <a:pPr/>
-              <a:t>2/21/2016</a:t>
+              <a:t>2/22/2016</a:t>
             </a:fld>
             <a:endParaRPr lang="en-US"/>
           </a:p>
@@ -800,7 +816,7 @@
             <a:fld id="{1D8BD707-D9CF-40AE-B4C6-C98DA3205C09}" type="datetimeFigureOut">
               <a:rPr lang="en-US" smtClean="0"/>
               <a:pPr/>
-              <a:t>2/21/2016</a:t>
+              <a:t>2/22/2016</a:t>
             </a:fld>
             <a:endParaRPr lang="en-US"/>
           </a:p>
@@ -1065,7 +1081,7 @@
             <a:fld id="{1D8BD707-D9CF-40AE-B4C6-C98DA3205C09}" type="datetimeFigureOut">
               <a:rPr lang="en-US" smtClean="0"/>
               <a:pPr/>
-              <a:t>2/21/2016</a:t>
+              <a:t>2/22/2016</a:t>
             </a:fld>
             <a:endParaRPr lang="en-US"/>
           </a:p>
@@ -1483,7 +1499,7 @@
             <a:fld id="{1D8BD707-D9CF-40AE-B4C6-C98DA3205C09}" type="datetimeFigureOut">
               <a:rPr lang="en-US" smtClean="0"/>
               <a:pPr/>
-              <a:t>2/21/2016</a:t>
+              <a:t>2/22/2016</a:t>
             </a:fld>
             <a:endParaRPr lang="en-US"/>
           </a:p>
@@ -1727,7 +1743,7 @@
             <a:fld id="{1D8BD707-D9CF-40AE-B4C6-C98DA3205C09}" type="datetimeFigureOut">
               <a:rPr lang="en-US" smtClean="0"/>
               <a:pPr/>
-              <a:t>2/21/2016</a:t>
+              <a:t>2/22/2016</a:t>
             </a:fld>
             <a:endParaRPr lang="en-US"/>
           </a:p>
@@ -1965,7 +1981,7 @@
             <a:fld id="{1D8BD707-D9CF-40AE-B4C6-C98DA3205C09}" type="datetimeFigureOut">
               <a:rPr lang="en-US" smtClean="0"/>
               <a:pPr/>
-              <a:t>2/21/2016</a:t>
+              <a:t>2/22/2016</a:t>
             </a:fld>
             <a:endParaRPr lang="en-US"/>
           </a:p>
@@ -2162,7 +2178,7 @@
             <a:fld id="{1D8BD707-D9CF-40AE-B4C6-C98DA3205C09}" type="datetimeFigureOut">
               <a:rPr lang="en-US" smtClean="0"/>
               <a:pPr/>
-              <a:t>2/21/2016</a:t>
+              <a:t>2/22/2016</a:t>
             </a:fld>
             <a:endParaRPr lang="en-US"/>
           </a:p>
@@ -2262,7 +2278,7 @@
             <a:fld id="{1D8BD707-D9CF-40AE-B4C6-C98DA3205C09}" type="datetimeFigureOut">
               <a:rPr lang="en-US" smtClean="0"/>
               <a:pPr/>
-              <a:t>2/21/2016</a:t>
+              <a:t>2/22/2016</a:t>
             </a:fld>
             <a:endParaRPr lang="en-US"/>
           </a:p>
@@ -2400,7 +2416,7 @@
             <a:fld id="{1D8BD707-D9CF-40AE-B4C6-C98DA3205C09}" type="datetimeFigureOut">
               <a:rPr lang="en-US" smtClean="0"/>
               <a:pPr/>
-              <a:t>2/21/2016</a:t>
+              <a:t>2/22/2016</a:t>
             </a:fld>
             <a:endParaRPr lang="en-US"/>
           </a:p>
@@ -2920,7 +2936,7 @@
             <a:fld id="{1D8BD707-D9CF-40AE-B4C6-C98DA3205C09}" type="datetimeFigureOut">
               <a:rPr lang="en-US" smtClean="0"/>
               <a:pPr/>
-              <a:t>2/21/2016</a:t>
+              <a:t>2/22/2016</a:t>
             </a:fld>
             <a:endParaRPr lang="en-US"/>
           </a:p>
@@ -3183,7 +3199,7 @@
             <a:fld id="{1D8BD707-D9CF-40AE-B4C6-C98DA3205C09}" type="datetimeFigureOut">
               <a:rPr lang="en-US" smtClean="0"/>
               <a:pPr/>
-              <a:t>2/21/2016</a:t>
+              <a:t>2/22/2016</a:t>
             </a:fld>
             <a:endParaRPr lang="en-US"/>
           </a:p>
@@ -3735,7 +3751,9 @@
         </p:nvSpPr>
         <p:spPr/>
         <p:txBody>
-          <a:bodyPr/>
+          <a:bodyPr>
+            <a:normAutofit fontScale="90000"/>
+          </a:bodyPr>
           <a:lstStyle/>
           <a:p>
             <a:r>
@@ -4157,7 +4175,9 @@
         </p:nvSpPr>
         <p:spPr/>
         <p:txBody>
-          <a:bodyPr/>
+          <a:bodyPr>
+            <a:normAutofit fontScale="90000"/>
+          </a:bodyPr>
           <a:lstStyle/>
           <a:p>
             <a:r>
@@ -4181,7 +4201,7 @@
         <p:spPr/>
         <p:txBody>
           <a:bodyPr>
-            <a:normAutofit/>
+            <a:normAutofit lnSpcReduction="10000"/>
           </a:bodyPr>
           <a:lstStyle/>
           <a:p>
@@ -4776,11 +4796,7 @@
           <a:p>
             <a:r>
               <a:rPr lang="en-SG" dirty="0" smtClean="0"/>
-              <a:t>This is </a:t>
-            </a:r>
-            <a:r>
-              <a:rPr lang="en-SG" dirty="0" smtClean="0"/>
-              <a:t>a screenshot of </a:t>
+              <a:t>This is a screenshot of </a:t>
             </a:r>
             <a:r>
               <a:rPr lang="en-SG" dirty="0" err="1" smtClean="0"/>
@@ -4864,11 +4880,7 @@
           <a:p>
             <a:r>
               <a:rPr lang="en-SG" dirty="0" smtClean="0"/>
-              <a:t>This </a:t>
-            </a:r>
-            <a:r>
-              <a:rPr lang="en-SG" dirty="0" smtClean="0"/>
-              <a:t>is a screenshot of the program’s main menu.</a:t>
+              <a:t>This is a screenshot of the program’s main menu.</a:t>
             </a:r>
             <a:endParaRPr lang="en-SG" dirty="0"/>
           </a:p>
@@ -4944,11 +4956,7 @@
           <a:p>
             <a:r>
               <a:rPr lang="en-SG" dirty="0" smtClean="0"/>
-              <a:t>This </a:t>
-            </a:r>
-            <a:r>
-              <a:rPr lang="en-SG" dirty="0" smtClean="0"/>
-              <a:t>is a screenshot of a club member’s main menu.</a:t>
+              <a:t>This is a screenshot of a club member’s main menu.</a:t>
             </a:r>
             <a:endParaRPr lang="en-SG" dirty="0"/>
           </a:p>
@@ -5260,11 +5268,7 @@
             </a:r>
             <a:r>
               <a:rPr lang="en-SG" smtClean="0"/>
-              <a:t>all </a:t>
-            </a:r>
-            <a:r>
-              <a:rPr lang="en-SG" smtClean="0"/>
-              <a:t>four </a:t>
+              <a:t>all four </a:t>
             </a:r>
             <a:r>
               <a:rPr lang="en-SG" dirty="0" smtClean="0"/>
@@ -5340,7 +5344,9 @@
         </p:nvSpPr>
         <p:spPr/>
         <p:txBody>
-          <a:bodyPr/>
+          <a:bodyPr>
+            <a:normAutofit fontScale="90000"/>
+          </a:bodyPr>
           <a:lstStyle/>
           <a:p>
             <a:r>
@@ -5444,11 +5450,7 @@
           <a:p>
             <a:r>
               <a:rPr lang="en-SG" dirty="0" smtClean="0"/>
-              <a:t>This is a continuation of assignment 1</a:t>
-            </a:r>
-            <a:r>
-              <a:rPr lang="en-SG" dirty="0" smtClean="0"/>
-              <a:t>.</a:t>
+              <a:t>This is a continuation of assignment 1.</a:t>
             </a:r>
           </a:p>
           <a:p>
@@ -5456,7 +5458,6 @@
               <a:rPr lang="en-SG" dirty="0" smtClean="0"/>
               <a:t>Project overview, vision and mission remain largely the same to assignment with a few changes.</a:t>
             </a:r>
-            <a:endParaRPr lang="en-SG" dirty="0" smtClean="0"/>
           </a:p>
           <a:p>
             <a:r>
@@ -5467,15 +5468,7 @@
           <a:p>
             <a:r>
               <a:rPr lang="en-SG" dirty="0" smtClean="0"/>
-              <a:t>Some additional diagrams are also </a:t>
-            </a:r>
-            <a:r>
-              <a:rPr lang="en-SG" dirty="0" smtClean="0"/>
-              <a:t>newly-created </a:t>
-            </a:r>
-            <a:r>
-              <a:rPr lang="en-SG" dirty="0" smtClean="0"/>
-              <a:t>for this assignment.</a:t>
+              <a:t>Some additional diagrams are also newly-created for this assignment.</a:t>
             </a:r>
           </a:p>
         </p:txBody>
@@ -5522,7 +5515,9 @@
         </p:nvSpPr>
         <p:spPr/>
         <p:txBody>
-          <a:bodyPr/>
+          <a:bodyPr>
+            <a:normAutofit fontScale="90000"/>
+          </a:bodyPr>
           <a:lstStyle/>
           <a:p>
             <a:r>
@@ -5550,7 +5545,7 @@
         </p:nvGraphicFramePr>
         <p:xfrm>
           <a:off x="612775" y="1600200"/>
-          <a:ext cx="8153400" cy="4419600"/>
+          <a:ext cx="8153400" cy="5151120"/>
         </p:xfrm>
         <a:graphic>
           <a:graphicData uri="http://schemas.openxmlformats.org/drawingml/2006/table">
@@ -6059,9 +6054,20 @@
           <a:p>
             <a:r>
               <a:rPr lang="en-SG" dirty="0" smtClean="0"/>
-              <a:t>Week 1:</a:t>
-            </a:r>
-            <a:endParaRPr lang="en-SG" dirty="0" smtClean="0"/>
+              <a:t>Phas</a:t>
+            </a:r>
+            <a:r>
+              <a:rPr lang="en-SG" dirty="0" smtClean="0"/>
+              <a:t>e </a:t>
+            </a:r>
+            <a:r>
+              <a:rPr lang="en-SG" dirty="0" smtClean="0"/>
+              <a:t>1</a:t>
+            </a:r>
+            <a:r>
+              <a:rPr lang="en-SG" dirty="0" smtClean="0"/>
+              <a:t>:</a:t>
+            </a:r>
           </a:p>
         </p:txBody>
       </p:sp>
@@ -6168,9 +6174,12 @@
           <a:p>
             <a:r>
               <a:rPr lang="en-SG" dirty="0" smtClean="0"/>
-              <a:t>Week 2:</a:t>
-            </a:r>
-            <a:endParaRPr lang="en-SG" dirty="0" smtClean="0"/>
+              <a:t>Phase </a:t>
+            </a:r>
+            <a:r>
+              <a:rPr lang="en-SG" dirty="0" smtClean="0"/>
+              <a:t>2:</a:t>
+            </a:r>
           </a:p>
         </p:txBody>
       </p:sp>
@@ -6277,9 +6286,12 @@
           <a:p>
             <a:r>
               <a:rPr lang="en-SG" dirty="0" smtClean="0"/>
-              <a:t>Week 3:</a:t>
-            </a:r>
-            <a:endParaRPr lang="en-SG" dirty="0" smtClean="0"/>
+              <a:t>Phase </a:t>
+            </a:r>
+            <a:r>
+              <a:rPr lang="en-SG" dirty="0" smtClean="0"/>
+              <a:t>3:</a:t>
+            </a:r>
           </a:p>
         </p:txBody>
       </p:sp>
@@ -6386,9 +6398,12 @@
           <a:p>
             <a:r>
               <a:rPr lang="en-SG" dirty="0" smtClean="0"/>
-              <a:t>Week 4:</a:t>
-            </a:r>
-            <a:endParaRPr lang="en-SG" dirty="0" smtClean="0"/>
+              <a:t>Phase </a:t>
+            </a:r>
+            <a:r>
+              <a:rPr lang="en-SG" dirty="0" smtClean="0"/>
+              <a:t>4:</a:t>
+            </a:r>
           </a:p>
         </p:txBody>
       </p:sp>

--- a/Assn2/CSCI222 a2 presentation.pptx
+++ b/Assn2/CSCI222 a2 presentation.pptx
@@ -3752,7 +3752,7 @@
         <p:spPr/>
         <p:txBody>
           <a:bodyPr>
-            <a:normAutofit fontScale="90000"/>
+            <a:normAutofit/>
           </a:bodyPr>
           <a:lstStyle/>
           <a:p>
@@ -4176,7 +4176,7 @@
         <p:spPr/>
         <p:txBody>
           <a:bodyPr>
-            <a:normAutofit fontScale="90000"/>
+            <a:normAutofit/>
           </a:bodyPr>
           <a:lstStyle/>
           <a:p>
@@ -4201,7 +4201,7 @@
         <p:spPr/>
         <p:txBody>
           <a:bodyPr>
-            <a:normAutofit lnSpcReduction="10000"/>
+            <a:normAutofit/>
           </a:bodyPr>
           <a:lstStyle/>
           <a:p>
@@ -4880,12 +4880,80 @@
           <a:p>
             <a:r>
               <a:rPr lang="en-SG" dirty="0" smtClean="0"/>
-              <a:t>This is a screenshot of the program’s main menu.</a:t>
-            </a:r>
+              <a:t>This is a screenshot of the </a:t>
+            </a:r>
+            <a:r>
+              <a:rPr lang="en-SG" dirty="0" smtClean="0"/>
+              <a:t>program’s </a:t>
+            </a:r>
+            <a:r>
+              <a:rPr lang="en-SG" dirty="0" smtClean="0"/>
+              <a:t>main menu</a:t>
+            </a:r>
+            <a:r>
+              <a:rPr lang="en-SG" dirty="0" smtClean="0"/>
+              <a:t>.</a:t>
+            </a:r>
+          </a:p>
+          <a:p>
             <a:endParaRPr lang="en-SG" dirty="0"/>
           </a:p>
         </p:txBody>
       </p:sp>
+      <p:pic>
+        <p:nvPicPr>
+          <p:cNvPr id="1028" name="Picture 1"/>
+          <p:cNvPicPr>
+            <a:picLocks noChangeAspect="1" noChangeArrowheads="1"/>
+          </p:cNvPicPr>
+          <p:nvPr/>
+        </p:nvPicPr>
+        <p:blipFill>
+          <a:blip r:embed="rId2">
+            <a:extLst>
+              <a:ext uri="{28A0092B-C50C-407E-A947-70E740481C1C}">
+                <a14:useLocalDpi xmlns:a14="http://schemas.microsoft.com/office/drawing/2010/main" val="0"/>
+              </a:ext>
+            </a:extLst>
+          </a:blip>
+          <a:srcRect/>
+          <a:stretch>
+            <a:fillRect/>
+          </a:stretch>
+        </p:blipFill>
+        <p:spPr bwMode="auto">
+          <a:xfrm>
+            <a:off x="1524000" y="2177483"/>
+            <a:ext cx="6019800" cy="3882027"/>
+          </a:xfrm>
+          <a:prstGeom prst="rect">
+            <a:avLst/>
+          </a:prstGeom>
+          <a:noFill/>
+          <a:ln>
+            <a:noFill/>
+          </a:ln>
+          <a:extLst>
+            <a:ext uri="{909E8E84-426E-40DD-AFC4-6F175D3DCCD1}">
+              <a14:hiddenFill xmlns:a14="http://schemas.microsoft.com/office/drawing/2010/main">
+                <a:solidFill>
+                  <a:srgbClr val="FFFFFF"/>
+                </a:solidFill>
+              </a14:hiddenFill>
+            </a:ext>
+            <a:ext uri="{91240B29-F687-4F45-9708-019B960494DF}">
+              <a14:hiddenLine xmlns:a14="http://schemas.microsoft.com/office/drawing/2010/main" w="9525">
+                <a:solidFill>
+                  <a:srgbClr val="000000"/>
+                </a:solidFill>
+                <a:miter lim="800000"/>
+                <a:headEnd/>
+                <a:tailEnd/>
+              </a14:hiddenLine>
+            </a:ext>
+          </a:extLst>
+        </p:spPr>
+      </p:pic>
     </p:spTree>
     <p:extLst>
       <p:ext uri="{BB962C8B-B14F-4D97-AF65-F5344CB8AC3E}">
@@ -4962,6 +5030,60 @@
           </a:p>
         </p:txBody>
       </p:sp>
+      <p:pic>
+        <p:nvPicPr>
+          <p:cNvPr id="4" name="Picture 4"/>
+          <p:cNvPicPr>
+            <a:picLocks noChangeAspect="1" noChangeArrowheads="1"/>
+          </p:cNvPicPr>
+          <p:nvPr/>
+        </p:nvPicPr>
+        <p:blipFill>
+          <a:blip r:embed="rId2">
+            <a:extLst>
+              <a:ext uri="{28A0092B-C50C-407E-A947-70E740481C1C}">
+                <a14:useLocalDpi xmlns:a14="http://schemas.microsoft.com/office/drawing/2010/main" val="0"/>
+              </a:ext>
+            </a:extLst>
+          </a:blip>
+          <a:srcRect/>
+          <a:stretch>
+            <a:fillRect/>
+          </a:stretch>
+        </p:blipFill>
+        <p:spPr bwMode="auto">
+          <a:xfrm>
+            <a:off x="838200" y="2286000"/>
+            <a:ext cx="7408283" cy="3124200"/>
+          </a:xfrm>
+          <a:prstGeom prst="rect">
+            <a:avLst/>
+          </a:prstGeom>
+          <a:noFill/>
+          <a:ln>
+            <a:noFill/>
+          </a:ln>
+          <a:extLst>
+            <a:ext uri="{909E8E84-426E-40DD-AFC4-6F175D3DCCD1}">
+              <a14:hiddenFill xmlns:a14="http://schemas.microsoft.com/office/drawing/2010/main">
+                <a:solidFill>
+                  <a:srgbClr val="FFFFFF"/>
+                </a:solidFill>
+              </a14:hiddenFill>
+            </a:ext>
+            <a:ext uri="{91240B29-F687-4F45-9708-019B960494DF}">
+              <a14:hiddenLine xmlns:a14="http://schemas.microsoft.com/office/drawing/2010/main" w="9525">
+                <a:solidFill>
+                  <a:srgbClr val="000000"/>
+                </a:solidFill>
+                <a:miter lim="800000"/>
+                <a:headEnd/>
+                <a:tailEnd/>
+              </a14:hiddenLine>
+            </a:ext>
+          </a:extLst>
+        </p:spPr>
+      </p:pic>
     </p:spTree>
     <p:extLst>
       <p:ext uri="{BB962C8B-B14F-4D97-AF65-F5344CB8AC3E}">
@@ -5159,6 +5281,60 @@
           </a:p>
         </p:txBody>
       </p:sp>
+      <p:pic>
+        <p:nvPicPr>
+          <p:cNvPr id="2050" name="Picture 18"/>
+          <p:cNvPicPr>
+            <a:picLocks noChangeAspect="1" noChangeArrowheads="1"/>
+          </p:cNvPicPr>
+          <p:nvPr/>
+        </p:nvPicPr>
+        <p:blipFill>
+          <a:blip r:embed="rId2">
+            <a:extLst>
+              <a:ext uri="{28A0092B-C50C-407E-A947-70E740481C1C}">
+                <a14:useLocalDpi xmlns:a14="http://schemas.microsoft.com/office/drawing/2010/main" val="0"/>
+              </a:ext>
+            </a:extLst>
+          </a:blip>
+          <a:srcRect/>
+          <a:stretch>
+            <a:fillRect/>
+          </a:stretch>
+        </p:blipFill>
+        <p:spPr bwMode="auto">
+          <a:xfrm>
+            <a:off x="2133600" y="2133600"/>
+            <a:ext cx="4781550" cy="4133850"/>
+          </a:xfrm>
+          <a:prstGeom prst="rect">
+            <a:avLst/>
+          </a:prstGeom>
+          <a:noFill/>
+          <a:ln>
+            <a:noFill/>
+          </a:ln>
+          <a:extLst>
+            <a:ext uri="{909E8E84-426E-40DD-AFC4-6F175D3DCCD1}">
+              <a14:hiddenFill xmlns:a14="http://schemas.microsoft.com/office/drawing/2010/main">
+                <a:solidFill>
+                  <a:srgbClr val="FFFFFF"/>
+                </a:solidFill>
+              </a14:hiddenFill>
+            </a:ext>
+            <a:ext uri="{91240B29-F687-4F45-9708-019B960494DF}">
+              <a14:hiddenLine xmlns:a14="http://schemas.microsoft.com/office/drawing/2010/main" w="9525">
+                <a:solidFill>
+                  <a:srgbClr val="000000"/>
+                </a:solidFill>
+                <a:miter lim="800000"/>
+                <a:headEnd/>
+                <a:tailEnd/>
+              </a14:hiddenLine>
+            </a:ext>
+          </a:extLst>
+        </p:spPr>
+      </p:pic>
     </p:spTree>
     <p:extLst>
       <p:ext uri="{BB962C8B-B14F-4D97-AF65-F5344CB8AC3E}">
@@ -5345,7 +5521,7 @@
         <p:spPr/>
         <p:txBody>
           <a:bodyPr>
-            <a:normAutofit fontScale="90000"/>
+            <a:normAutofit/>
           </a:bodyPr>
           <a:lstStyle/>
           <a:p>
@@ -5516,7 +5692,7 @@
         <p:spPr/>
         <p:txBody>
           <a:bodyPr>
-            <a:normAutofit fontScale="90000"/>
+            <a:normAutofit/>
           </a:bodyPr>
           <a:lstStyle/>
           <a:p>
@@ -6054,19 +6230,7 @@
           <a:p>
             <a:r>
               <a:rPr lang="en-SG" dirty="0" smtClean="0"/>
-              <a:t>Phas</a:t>
-            </a:r>
-            <a:r>
-              <a:rPr lang="en-SG" dirty="0" smtClean="0"/>
-              <a:t>e </a:t>
-            </a:r>
-            <a:r>
-              <a:rPr lang="en-SG" dirty="0" smtClean="0"/>
-              <a:t>1</a:t>
-            </a:r>
-            <a:r>
-              <a:rPr lang="en-SG" dirty="0" smtClean="0"/>
-              <a:t>:</a:t>
+              <a:t>Phase 1:</a:t>
             </a:r>
           </a:p>
         </p:txBody>
@@ -6174,11 +6338,7 @@
           <a:p>
             <a:r>
               <a:rPr lang="en-SG" dirty="0" smtClean="0"/>
-              <a:t>Phase </a:t>
-            </a:r>
-            <a:r>
-              <a:rPr lang="en-SG" dirty="0" smtClean="0"/>
-              <a:t>2:</a:t>
+              <a:t>Phase 2:</a:t>
             </a:r>
           </a:p>
         </p:txBody>
@@ -6286,11 +6446,7 @@
           <a:p>
             <a:r>
               <a:rPr lang="en-SG" dirty="0" smtClean="0"/>
-              <a:t>Phase </a:t>
-            </a:r>
-            <a:r>
-              <a:rPr lang="en-SG" dirty="0" smtClean="0"/>
-              <a:t>3:</a:t>
+              <a:t>Phase 3:</a:t>
             </a:r>
           </a:p>
         </p:txBody>
@@ -6398,11 +6554,7 @@
           <a:p>
             <a:r>
               <a:rPr lang="en-SG" dirty="0" smtClean="0"/>
-              <a:t>Phase </a:t>
-            </a:r>
-            <a:r>
-              <a:rPr lang="en-SG" dirty="0" smtClean="0"/>
-              <a:t>4:</a:t>
+              <a:t>Phase 4:</a:t>
             </a:r>
           </a:p>
         </p:txBody>

--- a/Assn2/CSCI222 a2 presentation.pptx
+++ b/Assn2/CSCI222 a2 presentation.pptx
@@ -3844,9 +3844,9 @@
       </p:sp>
       <p:pic>
         <p:nvPicPr>
-          <p:cNvPr id="2050" name="Picture 1"/>
+          <p:cNvPr id="3" name="Picture 2"/>
           <p:cNvPicPr>
-            <a:picLocks noChangeAspect="1" noChangeArrowheads="1"/>
+            <a:picLocks noChangeAspect="1"/>
           </p:cNvPicPr>
           <p:nvPr/>
         </p:nvPicPr>
@@ -3858,42 +3858,18 @@
               </a:ext>
             </a:extLst>
           </a:blip>
-          <a:srcRect/>
           <a:stretch>
             <a:fillRect/>
           </a:stretch>
         </p:blipFill>
-        <p:spPr bwMode="auto">
+        <p:spPr>
           <a:xfrm>
-            <a:off x="1524000" y="1600200"/>
-            <a:ext cx="5638800" cy="5032912"/>
+            <a:off x="1702308" y="1524000"/>
+            <a:ext cx="5974080" cy="5334000"/>
           </a:xfrm>
           <a:prstGeom prst="rect">
             <a:avLst/>
           </a:prstGeom>
-          <a:noFill/>
-          <a:ln>
-            <a:noFill/>
-          </a:ln>
-          <a:extLst>
-            <a:ext uri="{909E8E84-426E-40DD-AFC4-6F175D3DCCD1}">
-              <a14:hiddenFill xmlns:a14="http://schemas.microsoft.com/office/drawing/2010/main">
-                <a:solidFill>
-                  <a:srgbClr val="FFFFFF"/>
-                </a:solidFill>
-              </a14:hiddenFill>
-            </a:ext>
-            <a:ext uri="{91240B29-F687-4F45-9708-019B960494DF}">
-              <a14:hiddenLine xmlns:a14="http://schemas.microsoft.com/office/drawing/2010/main" w="9525">
-                <a:solidFill>
-                  <a:srgbClr val="000000"/>
-                </a:solidFill>
-                <a:miter lim="800000"/>
-                <a:headEnd/>
-                <a:tailEnd/>
-              </a14:hiddenLine>
-            </a:ext>
-          </a:extLst>
         </p:spPr>
       </p:pic>
     </p:spTree>
@@ -4880,19 +4856,7 @@
           <a:p>
             <a:r>
               <a:rPr lang="en-SG" dirty="0" smtClean="0"/>
-              <a:t>This is a screenshot of the </a:t>
-            </a:r>
-            <a:r>
-              <a:rPr lang="en-SG" dirty="0" smtClean="0"/>
-              <a:t>program’s </a:t>
-            </a:r>
-            <a:r>
-              <a:rPr lang="en-SG" dirty="0" smtClean="0"/>
-              <a:t>main menu</a:t>
-            </a:r>
-            <a:r>
-              <a:rPr lang="en-SG" dirty="0" smtClean="0"/>
-              <a:t>.</a:t>
+              <a:t>This is a screenshot of the program’s main menu.</a:t>
             </a:r>
           </a:p>
           <a:p>
@@ -5721,7 +5685,7 @@
         </p:nvGraphicFramePr>
         <p:xfrm>
           <a:off x="612775" y="1600200"/>
-          <a:ext cx="8153400" cy="5151120"/>
+          <a:ext cx="8153400" cy="4419600"/>
         </p:xfrm>
         <a:graphic>
           <a:graphicData uri="http://schemas.openxmlformats.org/drawingml/2006/table">
@@ -6647,9 +6611,9 @@
       </p:sp>
       <p:pic>
         <p:nvPicPr>
-          <p:cNvPr id="4" name="Picture 1"/>
+          <p:cNvPr id="3" name="Picture 2"/>
           <p:cNvPicPr>
-            <a:picLocks noChangeAspect="1" noChangeArrowheads="1"/>
+            <a:picLocks noChangeAspect="1"/>
           </p:cNvPicPr>
           <p:nvPr/>
         </p:nvPicPr>
@@ -6661,42 +6625,18 @@
               </a:ext>
             </a:extLst>
           </a:blip>
-          <a:srcRect/>
           <a:stretch>
             <a:fillRect/>
           </a:stretch>
         </p:blipFill>
-        <p:spPr bwMode="auto">
+        <p:spPr>
           <a:xfrm>
-            <a:off x="1676400" y="1774371"/>
-            <a:ext cx="5581650" cy="4797980"/>
+            <a:off x="914400" y="1676400"/>
+            <a:ext cx="7391399" cy="4953000"/>
           </a:xfrm>
           <a:prstGeom prst="rect">
             <a:avLst/>
           </a:prstGeom>
-          <a:noFill/>
-          <a:ln>
-            <a:noFill/>
-          </a:ln>
-          <a:extLst>
-            <a:ext uri="{909E8E84-426E-40DD-AFC4-6F175D3DCCD1}">
-              <a14:hiddenFill xmlns:a14="http://schemas.microsoft.com/office/drawing/2010/main">
-                <a:solidFill>
-                  <a:srgbClr val="FFFFFF"/>
-                </a:solidFill>
-              </a14:hiddenFill>
-            </a:ext>
-            <a:ext uri="{91240B29-F687-4F45-9708-019B960494DF}">
-              <a14:hiddenLine xmlns:a14="http://schemas.microsoft.com/office/drawing/2010/main" w="9525">
-                <a:solidFill>
-                  <a:srgbClr val="000000"/>
-                </a:solidFill>
-                <a:miter lim="800000"/>
-                <a:headEnd/>
-                <a:tailEnd/>
-              </a14:hiddenLine>
-            </a:ext>
-          </a:extLst>
         </p:spPr>
       </p:pic>
     </p:spTree>
